--- a/9week/2019775054.pptx
+++ b/9week/2019775054.pptx
@@ -3705,8 +3705,8 @@
         </p:nvSpPr>
         <p:spPr>
           <a:xfrm>
-            <a:off x="4188228" y="2791240"/>
-            <a:ext cx="4636774" cy="923330"/>
+            <a:off x="3564294" y="2791240"/>
+            <a:ext cx="5260708" cy="923330"/>
           </a:xfrm>
           <a:prstGeom prst="rect">
             <a:avLst/>
@@ -4127,7 +4127,7 @@
         <p:spPr>
           <a:xfrm>
             <a:off x="218114" y="118207"/>
-            <a:ext cx="2770310" cy="707886"/>
+            <a:ext cx="3029997" cy="707886"/>
           </a:xfrm>
           <a:prstGeom prst="rect">
             <a:avLst/>
@@ -4141,14 +4141,14 @@
           <a:lstStyle/>
           <a:p>
             <a:r>
-              <a:rPr lang="en-US" altLang="ko-KR" sz="4000" b="1">
+              <a:rPr lang="en-US" altLang="ko-KR" sz="4000" b="1" dirty="0">
                 <a:latin typeface="나눔스퀘어 Bold" panose="020B0600000101010101" pitchFamily="50" charset="-127"/>
                 <a:ea typeface="나눔스퀘어 Bold" panose="020B0600000101010101" pitchFamily="50" charset="-127"/>
               </a:rPr>
-              <a:t>1.</a:t>
-            </a:r>
-            <a:r>
-              <a:rPr lang="ko-KR" altLang="en-US" sz="4000" b="1">
+              <a:t>2.</a:t>
+            </a:r>
+            <a:r>
+              <a:rPr lang="ko-KR" altLang="en-US" sz="4000" b="1" dirty="0">
                 <a:latin typeface="나눔스퀘어 Bold" panose="020B0600000101010101" pitchFamily="50" charset="-127"/>
                 <a:ea typeface="나눔스퀘어 Bold" panose="020B0600000101010101" pitchFamily="50" charset="-127"/>
               </a:rPr>
@@ -4302,10 +4302,10 @@
                 <a:latin typeface="나눔고딕" panose="020D0604000000000000" pitchFamily="50" charset="-127"/>
                 <a:ea typeface="나눔고딕" panose="020D0604000000000000" pitchFamily="50" charset="-127"/>
               </a:rPr>
-              <a:t>4. </a:t>
-            </a:r>
-            <a:r>
-              <a:rPr lang="ko-KR" altLang="en-US" sz="3600" b="1">
+              <a:t>3. </a:t>
+            </a:r>
+            <a:r>
+              <a:rPr lang="ko-KR" altLang="en-US" sz="3600" b="1" dirty="0">
                 <a:latin typeface="나눔고딕" panose="020D0604000000000000" pitchFamily="50" charset="-127"/>
                 <a:ea typeface="나눔고딕" panose="020D0604000000000000" pitchFamily="50" charset="-127"/>
               </a:rPr>
